--- a/lecture/week_15/Lecture 21.pptx
+++ b/lecture/week_15/Lecture 21.pptx
@@ -7481,7 +7481,7 @@
               </a:rPr>
               <a:t>another.</a:t>
             </a:r>
-            <a:endParaRPr sz="4200">
+            <a:endParaRPr sz="4200" dirty="0">
               <a:latin typeface="Gill Sans MT"/>
               <a:cs typeface="Gill Sans MT"/>
             </a:endParaRPr>
@@ -7534,7 +7534,7 @@
               </a:rPr>
               <a:t>perform.</a:t>
             </a:r>
-            <a:endParaRPr sz="4200">
+            <a:endParaRPr sz="4200" dirty="0">
               <a:latin typeface="Gill Sans MT"/>
               <a:cs typeface="Gill Sans MT"/>
             </a:endParaRPr>
@@ -7574,12 +7574,22 @@
                 <a:latin typeface="Courier New"/>
                 <a:cs typeface="Courier New"/>
               </a:rPr>
-              <a:t>16.0;</a:t>
-            </a:r>
-            <a:endParaRPr sz="4200">
-              <a:latin typeface="Courier New"/>
-              <a:cs typeface="Courier New"/>
-            </a:endParaRPr>
+              <a:t>16.</a:t>
+            </a:r>
+            <a:r>
+              <a:rPr lang="en-US" sz="4200" dirty="0">
+                <a:latin typeface="Courier New"/>
+                <a:cs typeface="Courier New"/>
+              </a:rPr>
+              <a:t>6</a:t>
+            </a:r>
+            <a:r>
+              <a:rPr sz="4200" dirty="0">
+                <a:latin typeface="Courier New"/>
+                <a:cs typeface="Courier New"/>
+              </a:rPr>
+              <a:t>;</a:t>
+            </a:r>
           </a:p>
         </p:txBody>
       </p:sp>
@@ -8607,7 +8617,13 @@
           <p:cNvGraphicFramePr>
             <a:graphicFrameLocks noGrp="1"/>
           </p:cNvGraphicFramePr>
-          <p:nvPr/>
+          <p:nvPr>
+            <p:extLst>
+              <p:ext uri="{D42A27DB-BD31-4B8C-83A1-F6EECF244321}">
+                <p14:modId xmlns:p14="http://schemas.microsoft.com/office/powerpoint/2010/main" val="3519095816"/>
+              </p:ext>
+            </p:extLst>
+          </p:nvPr>
         </p:nvGraphicFramePr>
         <p:xfrm>
           <a:off x="2346343" y="3753284"/>
@@ -8859,7 +8875,21 @@
                           <a:latin typeface="Courier New"/>
                           <a:cs typeface="Courier New"/>
                         </a:rPr>
-                        <a:t>(int)16.0;</a:t>
+                        <a:t>(int)16.</a:t>
+                      </a:r>
+                      <a:r>
+                        <a:rPr lang="en-US" sz="4200" dirty="0">
+                          <a:latin typeface="Courier New"/>
+                          <a:cs typeface="Courier New"/>
+                        </a:rPr>
+                        <a:t>6</a:t>
+                      </a:r>
+                      <a:r>
+                        <a:rPr sz="4200" dirty="0">
+                          <a:latin typeface="Courier New"/>
+                          <a:cs typeface="Courier New"/>
+                        </a:rPr>
+                        <a:t>;</a:t>
                       </a:r>
                     </a:p>
                   </a:txBody>
@@ -9290,7 +9320,7 @@
         </p:nvSpPr>
         <p:spPr>
           <a:xfrm>
-            <a:off x="1333500" y="5956300"/>
+            <a:off x="1333500" y="5994400"/>
             <a:ext cx="9258300" cy="3530600"/>
           </a:xfrm>
           <a:custGeom>
@@ -9343,6 +9373,10 @@
           </p:nvPr>
         </p:nvSpPr>
         <p:spPr>
+          <a:xfrm>
+            <a:off x="1896660" y="2038350"/>
+            <a:ext cx="9200515" cy="4357218"/>
+          </a:xfrm>
           <a:prstGeom prst="rect">
             <a:avLst/>
           </a:prstGeom>
@@ -9504,7 +9538,21 @@
                 <a:latin typeface="Courier New"/>
                 <a:cs typeface="Courier New"/>
               </a:rPr>
-              <a:t>(int)16.0;  myInt1</a:t>
+              <a:t>(int)16.</a:t>
+            </a:r>
+            <a:r>
+              <a:rPr lang="en-US" dirty="0">
+                <a:latin typeface="Courier New"/>
+                <a:cs typeface="Courier New"/>
+              </a:rPr>
+              <a:t>3</a:t>
+            </a:r>
+            <a:r>
+              <a:rPr dirty="0">
+                <a:latin typeface="Courier New"/>
+                <a:cs typeface="Courier New"/>
+              </a:rPr>
+              <a:t>;  myInt1</a:t>
             </a:r>
             <a:r>
               <a:rPr spc="-1350" dirty="0">
@@ -9521,6 +9569,7 @@
               <a:rPr dirty="0"/>
               <a:t>16</a:t>
             </a:r>
+            <a:endParaRPr lang="en-US" dirty="0"/>
           </a:p>
         </p:txBody>
       </p:sp>
@@ -10676,7 +10725,7 @@
         <p:spPr>
           <a:xfrm>
             <a:off x="1896660" y="2038350"/>
-            <a:ext cx="9200515" cy="5830699"/>
+            <a:ext cx="9200515" cy="8215775"/>
           </a:xfrm>
           <a:prstGeom prst="rect">
             <a:avLst/>
@@ -10902,6 +10951,29 @@
               <a:rPr dirty="0"/>
               <a:t>16</a:t>
             </a:r>
+            <a:endParaRPr lang="en-US" dirty="0"/>
+          </a:p>
+          <a:p>
+            <a:pPr marL="2253615" marR="1349375" indent="-1772920">
+              <a:lnSpc>
+                <a:spcPct val="186500"/>
+              </a:lnSpc>
+              <a:tabLst>
+                <a:tab pos="5625465" algn="l"/>
+              </a:tabLst>
+            </a:pPr>
+            <a:endParaRPr lang="en-US" dirty="0"/>
+          </a:p>
+          <a:p>
+            <a:pPr marL="2253615" marR="1349375" indent="-1772920">
+              <a:lnSpc>
+                <a:spcPct val="186500"/>
+              </a:lnSpc>
+              <a:tabLst>
+                <a:tab pos="5625465" algn="l"/>
+              </a:tabLst>
+            </a:pPr>
+            <a:endParaRPr dirty="0"/>
           </a:p>
         </p:txBody>
       </p:sp>
@@ -13741,7 +13813,7 @@
               </a:rPr>
               <a:t>another.</a:t>
             </a:r>
-            <a:endParaRPr sz="4200">
+            <a:endParaRPr sz="4200" dirty="0">
               <a:latin typeface="Gill Sans MT"/>
               <a:cs typeface="Gill Sans MT"/>
             </a:endParaRPr>
@@ -13794,7 +13866,7 @@
               </a:rPr>
               <a:t>perform.</a:t>
             </a:r>
-            <a:endParaRPr sz="4200">
+            <a:endParaRPr sz="4200" dirty="0">
               <a:latin typeface="Gill Sans MT"/>
               <a:cs typeface="Gill Sans MT"/>
             </a:endParaRPr>
@@ -13843,10 +13915,6 @@
               </a:rPr>
               <a:t>}</a:t>
             </a:r>
-            <a:endParaRPr sz="4200">
-              <a:latin typeface="Courier New"/>
-              <a:cs typeface="Courier New"/>
-            </a:endParaRPr>
           </a:p>
           <a:p>
             <a:pPr marL="481330">
@@ -13861,10 +13929,6 @@
               </a:rPr>
               <a:t>...</a:t>
             </a:r>
-            <a:endParaRPr sz="4200">
-              <a:latin typeface="Courier New"/>
-              <a:cs typeface="Courier New"/>
-            </a:endParaRPr>
           </a:p>
           <a:p>
             <a:pPr marL="481330" marR="4092575">
@@ -13938,10 +14002,6 @@
               </a:rPr>
               <a:t>f;</a:t>
             </a:r>
-            <a:endParaRPr sz="4200">
-              <a:latin typeface="Courier New"/>
-              <a:cs typeface="Courier New"/>
-            </a:endParaRPr>
           </a:p>
           <a:p>
             <a:pPr marL="481330">
@@ -14003,7 +14063,7 @@
               </a:rPr>
               <a:t>ok</a:t>
             </a:r>
-            <a:endParaRPr sz="4200">
+            <a:endParaRPr sz="4200" dirty="0">
               <a:latin typeface="Gill Sans MT"/>
               <a:cs typeface="Gill Sans MT"/>
             </a:endParaRPr>
@@ -21926,7 +21986,7 @@
               </a:rPr>
               <a:t>equal.</a:t>
             </a:r>
-            <a:endParaRPr sz="4200">
+            <a:endParaRPr sz="4200" dirty="0">
               <a:latin typeface="Gill Sans MT"/>
               <a:cs typeface="Gill Sans MT"/>
             </a:endParaRPr>
@@ -21972,10 +22032,6 @@
               </a:rPr>
               <a:t>.</a:t>
             </a:r>
-            <a:endParaRPr sz="4200">
-              <a:latin typeface="Gill Sans MT"/>
-              <a:cs typeface="Gill Sans MT"/>
-            </a:endParaRPr>
           </a:p>
         </p:txBody>
       </p:sp>
@@ -22244,7 +22300,7 @@
               </a:rPr>
               <a:t>equal.</a:t>
             </a:r>
-            <a:endParaRPr sz="4200">
+            <a:endParaRPr sz="4200" dirty="0">
               <a:latin typeface="Gill Sans MT"/>
               <a:cs typeface="Gill Sans MT"/>
             </a:endParaRPr>
@@ -22290,10 +22346,6 @@
               </a:rPr>
               <a:t>.</a:t>
             </a:r>
-            <a:endParaRPr sz="4200">
-              <a:latin typeface="Gill Sans MT"/>
-              <a:cs typeface="Gill Sans MT"/>
-            </a:endParaRPr>
           </a:p>
           <a:p>
             <a:pPr algn="ctr">
@@ -22311,10 +22363,6 @@
               </a:rPr>
               <a:t>“foo”.equals(“foo”)</a:t>
             </a:r>
-            <a:endParaRPr sz="4200">
-              <a:latin typeface="Courier New"/>
-              <a:cs typeface="Courier New"/>
-            </a:endParaRPr>
           </a:p>
           <a:p>
             <a:pPr algn="ctr">
@@ -22342,10 +22390,6 @@
               </a:rPr>
               <a:t>true</a:t>
             </a:r>
-            <a:endParaRPr sz="4200">
-              <a:latin typeface="Courier New"/>
-              <a:cs typeface="Courier New"/>
-            </a:endParaRPr>
           </a:p>
         </p:txBody>
       </p:sp>
@@ -22656,7 +22700,7 @@
               </a:rPr>
               <a:t>equal.</a:t>
             </a:r>
-            <a:endParaRPr sz="4200">
+            <a:endParaRPr sz="4200" dirty="0">
               <a:latin typeface="Gill Sans MT"/>
               <a:cs typeface="Gill Sans MT"/>
             </a:endParaRPr>
@@ -22702,10 +22746,6 @@
               </a:rPr>
               <a:t>.</a:t>
             </a:r>
-            <a:endParaRPr sz="4200">
-              <a:latin typeface="Gill Sans MT"/>
-              <a:cs typeface="Gill Sans MT"/>
-            </a:endParaRPr>
           </a:p>
           <a:p>
             <a:pPr algn="ctr">
@@ -22723,10 +22763,6 @@
               </a:rPr>
               <a:t>“foo”.equals(“foo”)</a:t>
             </a:r>
-            <a:endParaRPr sz="4200">
-              <a:latin typeface="Courier New"/>
-              <a:cs typeface="Courier New"/>
-            </a:endParaRPr>
           </a:p>
           <a:p>
             <a:pPr algn="ctr">
@@ -22754,10 +22790,6 @@
               </a:rPr>
               <a:t>true</a:t>
             </a:r>
-            <a:endParaRPr sz="4200">
-              <a:latin typeface="Courier New"/>
-              <a:cs typeface="Courier New"/>
-            </a:endParaRPr>
           </a:p>
           <a:p>
             <a:pPr marL="8890" algn="ctr">
@@ -22775,10 +22807,6 @@
               </a:rPr>
               <a:t>“foo”.equals(“bar”)</a:t>
             </a:r>
-            <a:endParaRPr sz="4200">
-              <a:latin typeface="Courier New"/>
-              <a:cs typeface="Courier New"/>
-            </a:endParaRPr>
           </a:p>
         </p:txBody>
       </p:sp>
@@ -23549,7 +23577,7 @@
               </a:rPr>
               <a:t>equal.</a:t>
             </a:r>
-            <a:endParaRPr sz="4200">
+            <a:endParaRPr sz="4200" dirty="0">
               <a:latin typeface="Gill Sans MT"/>
               <a:cs typeface="Gill Sans MT"/>
             </a:endParaRPr>
@@ -23595,10 +23623,6 @@
               </a:rPr>
               <a:t>.</a:t>
             </a:r>
-            <a:endParaRPr sz="4200">
-              <a:latin typeface="Gill Sans MT"/>
-              <a:cs typeface="Gill Sans MT"/>
-            </a:endParaRPr>
           </a:p>
           <a:p>
             <a:pPr algn="ctr">
@@ -23616,10 +23640,6 @@
               </a:rPr>
               <a:t>“foo”.equals(“foo”)</a:t>
             </a:r>
-            <a:endParaRPr sz="4200">
-              <a:latin typeface="Courier New"/>
-              <a:cs typeface="Courier New"/>
-            </a:endParaRPr>
           </a:p>
           <a:p>
             <a:pPr algn="ctr">
@@ -23647,10 +23667,6 @@
               </a:rPr>
               <a:t>true</a:t>
             </a:r>
-            <a:endParaRPr sz="4200">
-              <a:latin typeface="Courier New"/>
-              <a:cs typeface="Courier New"/>
-            </a:endParaRPr>
           </a:p>
           <a:p>
             <a:pPr marL="8890" algn="ctr">
@@ -23668,10 +23684,6 @@
               </a:rPr>
               <a:t>“foo”.equals(“bar”)</a:t>
             </a:r>
-            <a:endParaRPr sz="4200">
-              <a:latin typeface="Courier New"/>
-              <a:cs typeface="Courier New"/>
-            </a:endParaRPr>
           </a:p>
           <a:p>
             <a:pPr marL="6985" algn="ctr">
@@ -23699,10 +23711,6 @@
               </a:rPr>
               <a:t>false</a:t>
             </a:r>
-            <a:endParaRPr sz="4200">
-              <a:latin typeface="Courier New"/>
-              <a:cs typeface="Courier New"/>
-            </a:endParaRPr>
           </a:p>
         </p:txBody>
       </p:sp>
@@ -33053,10 +33061,6 @@
               </a:rPr>
               <a:t>the</a:t>
             </a:r>
-            <a:endParaRPr sz="4200">
-              <a:latin typeface="Gill Sans MT"/>
-              <a:cs typeface="Gill Sans MT"/>
-            </a:endParaRPr>
           </a:p>
         </p:txBody>
       </p:sp>
@@ -33162,7 +33166,7 @@
               </a:rPr>
               <a:t>Mammal</a:t>
             </a:r>
-            <a:endParaRPr sz="4000">
+            <a:endParaRPr sz="4000" dirty="0">
               <a:latin typeface="Gill Sans MT"/>
               <a:cs typeface="Gill Sans MT"/>
             </a:endParaRPr>
@@ -34323,10 +34327,6 @@
               </a:rPr>
               <a:t>breathe();</a:t>
             </a:r>
-            <a:endParaRPr sz="4200">
-              <a:latin typeface="Courier New"/>
-              <a:cs typeface="Courier New"/>
-            </a:endParaRPr>
           </a:p>
           <a:p>
             <a:pPr marL="12700">
@@ -34341,10 +34341,6 @@
               </a:rPr>
               <a:t>}</a:t>
             </a:r>
-            <a:endParaRPr sz="4200">
-              <a:latin typeface="Courier New"/>
-              <a:cs typeface="Courier New"/>
-            </a:endParaRPr>
           </a:p>
         </p:txBody>
       </p:sp>
@@ -34586,10 +34582,6 @@
               </a:rPr>
               <a:t>breathe();</a:t>
             </a:r>
-            <a:endParaRPr sz="4200">
-              <a:latin typeface="Courier New"/>
-              <a:cs typeface="Courier New"/>
-            </a:endParaRPr>
           </a:p>
           <a:p>
             <a:pPr marL="431800">
@@ -34604,10 +34596,6 @@
               </a:rPr>
               <a:t>}</a:t>
             </a:r>
-            <a:endParaRPr sz="4200">
-              <a:latin typeface="Courier New"/>
-              <a:cs typeface="Courier New"/>
-            </a:endParaRPr>
           </a:p>
           <a:p>
             <a:pPr>
@@ -34618,7 +34606,7 @@
                 <a:spcPts val="20"/>
               </a:spcBef>
             </a:pPr>
-            <a:endParaRPr sz="4650">
+            <a:endParaRPr sz="4650" dirty="0">
               <a:latin typeface="Times New Roman"/>
               <a:cs typeface="Times New Roman"/>
             </a:endParaRPr>
@@ -34664,10 +34652,6 @@
               </a:rPr>
               <a:t>{</a:t>
             </a:r>
-            <a:endParaRPr sz="4200">
-              <a:latin typeface="Courier New"/>
-              <a:cs typeface="Courier New"/>
-            </a:endParaRPr>
           </a:p>
           <a:p>
             <a:pPr marL="652780">
@@ -34710,10 +34694,6 @@
               </a:rPr>
               <a:t>}</a:t>
             </a:r>
-            <a:endParaRPr sz="4200">
-              <a:latin typeface="Courier New"/>
-              <a:cs typeface="Courier New"/>
-            </a:endParaRPr>
           </a:p>
           <a:p>
             <a:pPr marL="12700">
@@ -34728,10 +34708,6 @@
               </a:rPr>
               <a:t>}</a:t>
             </a:r>
-            <a:endParaRPr sz="4200">
-              <a:latin typeface="Courier New"/>
-              <a:cs typeface="Courier New"/>
-            </a:endParaRPr>
           </a:p>
         </p:txBody>
       </p:sp>
@@ -35015,10 +34991,6 @@
               </a:rPr>
               <a:t>breathe();</a:t>
             </a:r>
-            <a:endParaRPr sz="4200">
-              <a:latin typeface="Courier New"/>
-              <a:cs typeface="Courier New"/>
-            </a:endParaRPr>
           </a:p>
           <a:p>
             <a:pPr marL="1473200">
@@ -35033,10 +35005,6 @@
               </a:rPr>
               <a:t>}</a:t>
             </a:r>
-            <a:endParaRPr sz="4200">
-              <a:latin typeface="Courier New"/>
-              <a:cs typeface="Courier New"/>
-            </a:endParaRPr>
           </a:p>
           <a:p>
             <a:pPr>
@@ -35047,7 +35015,7 @@
                 <a:spcPts val="20"/>
               </a:spcBef>
             </a:pPr>
-            <a:endParaRPr sz="4650">
+            <a:endParaRPr sz="4650" dirty="0">
               <a:latin typeface="Times New Roman"/>
               <a:cs typeface="Times New Roman"/>
             </a:endParaRPr>
@@ -35093,10 +35061,6 @@
               </a:rPr>
               <a:t>{</a:t>
             </a:r>
-            <a:endParaRPr sz="4200">
-              <a:latin typeface="Courier New"/>
-              <a:cs typeface="Courier New"/>
-            </a:endParaRPr>
           </a:p>
           <a:p>
             <a:pPr marL="1694180">
@@ -35139,10 +35103,6 @@
               </a:rPr>
               <a:t>}</a:t>
             </a:r>
-            <a:endParaRPr sz="4200">
-              <a:latin typeface="Courier New"/>
-              <a:cs typeface="Courier New"/>
-            </a:endParaRPr>
           </a:p>
           <a:p>
             <a:pPr marL="1054100">
@@ -35157,10 +35117,6 @@
               </a:rPr>
               <a:t>}</a:t>
             </a:r>
-            <a:endParaRPr sz="4200">
-              <a:latin typeface="Courier New"/>
-              <a:cs typeface="Courier New"/>
-            </a:endParaRPr>
           </a:p>
           <a:p>
             <a:pPr marL="12700" marR="5080">
@@ -35220,10 +35176,6 @@
               </a:rPr>
               <a:t>}</a:t>
             </a:r>
-            <a:endParaRPr sz="4200">
-              <a:latin typeface="Courier New"/>
-              <a:cs typeface="Courier New"/>
-            </a:endParaRPr>
           </a:p>
         </p:txBody>
       </p:sp>
@@ -36572,21 +36524,56 @@
                 <a:latin typeface="Courier New"/>
                 <a:cs typeface="Courier New"/>
               </a:rPr>
-              <a:t>public NameClash(int x) </a:t>
-            </a:r>
-            <a:r>
-              <a:rPr sz="4200" dirty="0">
-                <a:latin typeface="Courier New"/>
-                <a:cs typeface="Courier New"/>
-              </a:rPr>
-              <a:t>{  </a:t>
+              <a:t>public </a:t>
+            </a:r>
+            <a:r>
+              <a:rPr sz="4200" spc="-5" dirty="0" err="1">
+                <a:latin typeface="Courier New"/>
+                <a:cs typeface="Courier New"/>
+              </a:rPr>
+              <a:t>NameClash</a:t>
             </a:r>
             <a:r>
               <a:rPr sz="4200" spc="-5" dirty="0">
                 <a:latin typeface="Courier New"/>
                 <a:cs typeface="Courier New"/>
               </a:rPr>
-              <a:t>this.x </a:t>
+              <a:t>(int x) </a:t>
+            </a:r>
+            <a:r>
+              <a:rPr sz="4200" dirty="0">
+                <a:latin typeface="Courier New"/>
+                <a:cs typeface="Courier New"/>
+              </a:rPr>
+              <a:t>{</a:t>
+            </a:r>
+            <a:r>
+              <a:rPr lang="en-US" sz="4200" dirty="0">
+                <a:latin typeface="Courier New"/>
+                <a:cs typeface="Courier New"/>
+              </a:rPr>
+              <a:t>  </a:t>
+            </a:r>
+            <a:r>
+              <a:rPr lang="en-US" sz="4200" spc="-5" dirty="0" err="1">
+                <a:latin typeface="Courier New"/>
+                <a:cs typeface="Courier New"/>
+              </a:rPr>
+              <a:t>this.</a:t>
+            </a:r>
+            <a:r>
+              <a:rPr sz="4200" spc="-5" dirty="0" err="1">
+                <a:latin typeface="Courier New"/>
+                <a:cs typeface="Courier New"/>
+              </a:rPr>
+              <a:t>x</a:t>
+            </a:r>
+            <a:r>
+              <a:rPr sz="4200" spc="-5" dirty="0">
+                <a:latin typeface="Courier New"/>
+                <a:cs typeface="Courier New"/>
+              </a:rPr>
+              <a:t> </a:t>
             </a:r>
             <a:r>
               <a:rPr sz="4200" dirty="0">

--- a/lecture/week_15/Lecture 21.pptx
+++ b/lecture/week_15/Lecture 21.pptx
@@ -5932,10 +5932,6 @@
               </a:rPr>
               <a:t>class</a:t>
             </a:r>
-            <a:endParaRPr sz="4200">
-              <a:latin typeface="Gill Sans MT"/>
-              <a:cs typeface="Gill Sans MT"/>
-            </a:endParaRPr>
           </a:p>
         </p:txBody>
       </p:sp>
@@ -7776,7 +7772,7 @@
         </p:nvSpPr>
         <p:spPr>
           <a:xfrm>
-            <a:off x="0" y="0"/>
+            <a:off x="0" y="361730"/>
             <a:ext cx="13004800" cy="9753600"/>
           </a:xfrm>
           <a:custGeom>
@@ -8607,7 +8603,13 @@
           <p:cNvGraphicFramePr>
             <a:graphicFrameLocks noGrp="1"/>
           </p:cNvGraphicFramePr>
-          <p:nvPr/>
+          <p:nvPr>
+            <p:extLst>
+              <p:ext uri="{D42A27DB-BD31-4B8C-83A1-F6EECF244321}">
+                <p14:modId xmlns:p14="http://schemas.microsoft.com/office/powerpoint/2010/main" val="439262411"/>
+              </p:ext>
+            </p:extLst>
+          </p:nvPr>
         </p:nvGraphicFramePr>
         <p:xfrm>
           <a:off x="2346343" y="3753284"/>
@@ -8740,12 +8742,22 @@
                           <a:latin typeface="Courier New"/>
                           <a:cs typeface="Courier New"/>
                         </a:rPr>
-                        <a:t>16.0;</a:t>
+                        <a:t>16</a:t>
                       </a:r>
-                      <a:endParaRPr sz="4200">
-                        <a:latin typeface="Courier New"/>
-                        <a:cs typeface="Courier New"/>
-                      </a:endParaRPr>
+                      <a:r>
+                        <a:rPr lang="en-US" sz="4200" dirty="0">
+                          <a:latin typeface="Courier New"/>
+                          <a:cs typeface="Courier New"/>
+                        </a:rPr>
+                        <a:t>.0</a:t>
+                      </a:r>
+                      <a:r>
+                        <a:rPr sz="4200" dirty="0">
+                          <a:latin typeface="Courier New"/>
+                          <a:cs typeface="Courier New"/>
+                        </a:rPr>
+                        <a:t>;</a:t>
+                      </a:r>
                     </a:p>
                   </a:txBody>
                   <a:tcPr marL="0" marR="0" marT="0" marB="0"/>
@@ -9343,6 +9355,10 @@
           </p:nvPr>
         </p:nvSpPr>
         <p:spPr>
+          <a:xfrm>
+            <a:off x="1896660" y="2038350"/>
+            <a:ext cx="9200515" cy="4357218"/>
+          </a:xfrm>
           <a:prstGeom prst="rect">
             <a:avLst/>
           </a:prstGeom>
@@ -9504,7 +9520,21 @@
                 <a:latin typeface="Courier New"/>
                 <a:cs typeface="Courier New"/>
               </a:rPr>
-              <a:t>(int)16.0;  myInt1</a:t>
+              <a:t>(int)16.</a:t>
+            </a:r>
+            <a:r>
+              <a:rPr lang="en-US" dirty="0">
+                <a:latin typeface="Courier New"/>
+                <a:cs typeface="Courier New"/>
+              </a:rPr>
+              <a:t>0</a:t>
+            </a:r>
+            <a:r>
+              <a:rPr dirty="0">
+                <a:latin typeface="Courier New"/>
+                <a:cs typeface="Courier New"/>
+              </a:rPr>
+              <a:t>;  myInt1</a:t>
             </a:r>
             <a:r>
               <a:rPr spc="-1350" dirty="0">
@@ -22244,7 +22274,7 @@
               </a:rPr>
               <a:t>equal.</a:t>
             </a:r>
-            <a:endParaRPr sz="4200">
+            <a:endParaRPr sz="4200" dirty="0">
               <a:latin typeface="Gill Sans MT"/>
               <a:cs typeface="Gill Sans MT"/>
             </a:endParaRPr>
@@ -22290,10 +22320,6 @@
               </a:rPr>
               <a:t>.</a:t>
             </a:r>
-            <a:endParaRPr sz="4200">
-              <a:latin typeface="Gill Sans MT"/>
-              <a:cs typeface="Gill Sans MT"/>
-            </a:endParaRPr>
           </a:p>
           <a:p>
             <a:pPr algn="ctr">
@@ -22311,10 +22337,6 @@
               </a:rPr>
               <a:t>“foo”.equals(“foo”)</a:t>
             </a:r>
-            <a:endParaRPr sz="4200">
-              <a:latin typeface="Courier New"/>
-              <a:cs typeface="Courier New"/>
-            </a:endParaRPr>
           </a:p>
           <a:p>
             <a:pPr algn="ctr">
@@ -22342,10 +22364,6 @@
               </a:rPr>
               <a:t>true</a:t>
             </a:r>
-            <a:endParaRPr sz="4200">
-              <a:latin typeface="Courier New"/>
-              <a:cs typeface="Courier New"/>
-            </a:endParaRPr>
           </a:p>
         </p:txBody>
       </p:sp>
@@ -34323,10 +34341,6 @@
               </a:rPr>
               <a:t>breathe();</a:t>
             </a:r>
-            <a:endParaRPr sz="4200">
-              <a:latin typeface="Courier New"/>
-              <a:cs typeface="Courier New"/>
-            </a:endParaRPr>
           </a:p>
           <a:p>
             <a:pPr marL="12700">
@@ -34341,10 +34355,6 @@
               </a:rPr>
               <a:t>}</a:t>
             </a:r>
-            <a:endParaRPr sz="4200">
-              <a:latin typeface="Courier New"/>
-              <a:cs typeface="Courier New"/>
-            </a:endParaRPr>
           </a:p>
         </p:txBody>
       </p:sp>
@@ -34531,7 +34541,7 @@
         <p:spPr>
           <a:xfrm>
             <a:off x="1422400" y="2838450"/>
-            <a:ext cx="9947275" cy="4989830"/>
+            <a:ext cx="9947275" cy="5062282"/>
           </a:xfrm>
           <a:prstGeom prst="rect">
             <a:avLst/>
@@ -34586,10 +34596,6 @@
               </a:rPr>
               <a:t>breathe();</a:t>
             </a:r>
-            <a:endParaRPr sz="4200">
-              <a:latin typeface="Courier New"/>
-              <a:cs typeface="Courier New"/>
-            </a:endParaRPr>
           </a:p>
           <a:p>
             <a:pPr marL="431800">
@@ -34604,10 +34610,6 @@
               </a:rPr>
               <a:t>}</a:t>
             </a:r>
-            <a:endParaRPr sz="4200">
-              <a:latin typeface="Courier New"/>
-              <a:cs typeface="Courier New"/>
-            </a:endParaRPr>
           </a:p>
           <a:p>
             <a:pPr>
@@ -34618,7 +34620,7 @@
                 <a:spcPts val="20"/>
               </a:spcBef>
             </a:pPr>
-            <a:endParaRPr sz="4650">
+            <a:endParaRPr sz="4650" dirty="0">
               <a:latin typeface="Times New Roman"/>
               <a:cs typeface="Times New Roman"/>
             </a:endParaRPr>
@@ -34645,10 +34647,20 @@
             </a:r>
             <a:r>
               <a:rPr sz="4200" spc="-5" dirty="0">
-                <a:latin typeface="Courier New"/>
-                <a:cs typeface="Courier New"/>
-              </a:rPr>
-              <a:t>implements CanBreathe</a:t>
+                <a:highlight>
+                  <a:srgbClr val="FFFF00"/>
+                </a:highlight>
+                <a:latin typeface="Courier New"/>
+                <a:cs typeface="Courier New"/>
+              </a:rPr>
+              <a:t>implements</a:t>
+            </a:r>
+            <a:r>
+              <a:rPr sz="4200" spc="-5" dirty="0">
+                <a:latin typeface="Courier New"/>
+                <a:cs typeface="Courier New"/>
+              </a:rPr>
+              <a:t> CanBreathe</a:t>
             </a:r>
             <a:r>
               <a:rPr sz="4200" spc="-35" dirty="0">
@@ -34664,10 +34676,6 @@
               </a:rPr>
               <a:t>{</a:t>
             </a:r>
-            <a:endParaRPr sz="4200">
-              <a:latin typeface="Courier New"/>
-              <a:cs typeface="Courier New"/>
-            </a:endParaRPr>
           </a:p>
           <a:p>
             <a:pPr marL="652780">
@@ -34710,10 +34718,6 @@
               </a:rPr>
               <a:t>}</a:t>
             </a:r>
-            <a:endParaRPr sz="4200">
-              <a:latin typeface="Courier New"/>
-              <a:cs typeface="Courier New"/>
-            </a:endParaRPr>
           </a:p>
           <a:p>
             <a:pPr marL="12700">
@@ -34728,10 +34732,6 @@
               </a:rPr>
               <a:t>}</a:t>
             </a:r>
-            <a:endParaRPr sz="4200">
-              <a:latin typeface="Courier New"/>
-              <a:cs typeface="Courier New"/>
-            </a:endParaRPr>
           </a:p>
         </p:txBody>
       </p:sp>
@@ -35015,10 +35015,6 @@
               </a:rPr>
               <a:t>breathe();</a:t>
             </a:r>
-            <a:endParaRPr sz="4200">
-              <a:latin typeface="Courier New"/>
-              <a:cs typeface="Courier New"/>
-            </a:endParaRPr>
           </a:p>
           <a:p>
             <a:pPr marL="1473200">
@@ -35033,10 +35029,6 @@
               </a:rPr>
               <a:t>}</a:t>
             </a:r>
-            <a:endParaRPr sz="4200">
-              <a:latin typeface="Courier New"/>
-              <a:cs typeface="Courier New"/>
-            </a:endParaRPr>
           </a:p>
           <a:p>
             <a:pPr>
@@ -35047,7 +35039,7 @@
                 <a:spcPts val="20"/>
               </a:spcBef>
             </a:pPr>
-            <a:endParaRPr sz="4650">
+            <a:endParaRPr sz="4650" dirty="0">
               <a:latin typeface="Times New Roman"/>
               <a:cs typeface="Times New Roman"/>
             </a:endParaRPr>
@@ -35093,10 +35085,6 @@
               </a:rPr>
               <a:t>{</a:t>
             </a:r>
-            <a:endParaRPr sz="4200">
-              <a:latin typeface="Courier New"/>
-              <a:cs typeface="Courier New"/>
-            </a:endParaRPr>
           </a:p>
           <a:p>
             <a:pPr marL="1694180">
@@ -35139,10 +35127,6 @@
               </a:rPr>
               <a:t>}</a:t>
             </a:r>
-            <a:endParaRPr sz="4200">
-              <a:latin typeface="Courier New"/>
-              <a:cs typeface="Courier New"/>
-            </a:endParaRPr>
           </a:p>
           <a:p>
             <a:pPr marL="1054100">
@@ -35157,10 +35141,6 @@
               </a:rPr>
               <a:t>}</a:t>
             </a:r>
-            <a:endParaRPr sz="4200">
-              <a:latin typeface="Courier New"/>
-              <a:cs typeface="Courier New"/>
-            </a:endParaRPr>
           </a:p>
           <a:p>
             <a:pPr marL="12700" marR="5080">
@@ -35220,10 +35200,6 @@
               </a:rPr>
               <a:t>}</a:t>
             </a:r>
-            <a:endParaRPr sz="4200">
-              <a:latin typeface="Courier New"/>
-              <a:cs typeface="Courier New"/>
-            </a:endParaRPr>
           </a:p>
         </p:txBody>
       </p:sp>
